--- a/Avaliação/Apresentação.pptx
+++ b/Avaliação/Apresentação.pptx
@@ -6905,8 +6905,8 @@
           </a:p>
         </p:txBody>
       </p:sp>
-      <mc:AlternateContent xmlns:mc="http://schemas.openxmlformats.org/markup-compatibility/2006">
-        <mc:Choice xmlns:a14="http://schemas.microsoft.com/office/drawing/2010/main" Requires="a14">
+      <mc:AlternateContent xmlns:mc="http://schemas.openxmlformats.org/markup-compatibility/2006" xmlns:a14="http://schemas.microsoft.com/office/drawing/2010/main">
+        <mc:Choice Requires="a14">
           <p:sp>
             <p:nvSpPr>
               <p:cNvPr id="3" name="Espaço Reservado para Conteúdo 2"/>
@@ -7197,7 +7197,7 @@
             </p:txBody>
           </p:sp>
         </mc:Choice>
-        <mc:Fallback>
+        <mc:Fallback xmlns="">
           <p:sp>
             <p:nvSpPr>
               <p:cNvPr id="3" name="Espaço Reservado para Conteúdo 2"/>
@@ -7448,7 +7448,6 @@
               <a:rPr lang="pt-BR" dirty="0"/>
               <a:t>Avaliação – ENPC – Bases Desbalanceadas</a:t>
             </a:r>
-            <a:endParaRPr lang="pt-BR" dirty="0"/>
           </a:p>
         </p:txBody>
       </p:sp>
@@ -14300,7 +14299,6 @@
               <a:rPr lang="pt-BR" dirty="0"/>
               <a:t> – Bases Desbalanceadas</a:t>
             </a:r>
-            <a:endParaRPr lang="pt-BR" dirty="0"/>
           </a:p>
         </p:txBody>
       </p:sp>
@@ -15054,35 +15052,35 @@
                     <a:p>
                       <a:pPr algn="ctr" fontAlgn="ctr"/>
                       <a:r>
-                        <a:rPr lang="pt-BR" sz="800" u="none" strike="noStrike">
+                        <a:rPr lang="pt-BR" sz="800" u="none" strike="noStrike" dirty="0">
                           <a:effectLst/>
                         </a:rPr>
                         <a:t>-</a:t>
                       </a:r>
-                      <a:endParaRPr lang="pt-BR" sz="800" b="0" i="0" u="none" strike="noStrike">
-                        <a:solidFill>
-                          <a:srgbClr val="000000"/>
-                        </a:solidFill>
-                        <a:effectLst/>
-                        <a:latin typeface="Calibri"/>
-                      </a:endParaRPr>
-                    </a:p>
-                  </a:txBody>
-                  <a:tcPr marL="7058" marR="7058" marT="7058" marB="0" anchor="ctr"/>
-                </a:tc>
-                <a:tc>
-                  <a:txBody>
-                    <a:bodyPr/>
-                    <a:lstStyle/>
-                    <a:p>
-                      <a:pPr algn="ctr" fontAlgn="ctr"/>
-                      <a:r>
-                        <a:rPr lang="pt-BR" sz="800" u="none" strike="noStrike">
+                      <a:endParaRPr lang="pt-BR" sz="800" b="0" i="0" u="none" strike="noStrike" dirty="0">
+                        <a:solidFill>
+                          <a:srgbClr val="000000"/>
+                        </a:solidFill>
+                        <a:effectLst/>
+                        <a:latin typeface="Calibri"/>
+                      </a:endParaRPr>
+                    </a:p>
+                  </a:txBody>
+                  <a:tcPr marL="7058" marR="7058" marT="7058" marB="0" anchor="ctr"/>
+                </a:tc>
+                <a:tc>
+                  <a:txBody>
+                    <a:bodyPr/>
+                    <a:lstStyle/>
+                    <a:p>
+                      <a:pPr algn="ctr" fontAlgn="ctr"/>
+                      <a:r>
+                        <a:rPr lang="pt-BR" sz="800" u="none" strike="noStrike" dirty="0">
                           <a:effectLst/>
                         </a:rPr>
                         <a:t>-</a:t>
                       </a:r>
-                      <a:endParaRPr lang="pt-BR" sz="800" b="0" i="0" u="none" strike="noStrike">
+                      <a:endParaRPr lang="pt-BR" sz="800" b="0" i="0" u="none" strike="noStrike" dirty="0">
                         <a:solidFill>
                           <a:srgbClr val="000000"/>
                         </a:solidFill>
@@ -26064,7 +26062,6 @@
               <a:rPr lang="pt-BR" dirty="0"/>
               <a:t> – Bases Balanceadas</a:t>
             </a:r>
-            <a:endParaRPr lang="pt-BR" dirty="0"/>
           </a:p>
         </p:txBody>
       </p:sp>
@@ -26581,44 +26578,44 @@
                     <a:p>
                       <a:pPr algn="ctr" fontAlgn="ctr"/>
                       <a:r>
-                        <a:rPr lang="pt-BR" sz="800" u="none" strike="noStrike">
-                          <a:effectLst/>
-                        </a:rPr>
-                        <a:t>0.00</a:t>
-                      </a:r>
-                      <a:endParaRPr lang="pt-BR" sz="800" b="0" i="0" u="none" strike="noStrike">
-                        <a:solidFill>
-                          <a:srgbClr val="000000"/>
-                        </a:solidFill>
-                        <a:effectLst/>
-                        <a:latin typeface="Calibri"/>
-                      </a:endParaRPr>
-                    </a:p>
-                  </a:txBody>
-                  <a:tcPr marL="6535" marR="6535" marT="6535" marB="0" anchor="ctr"/>
-                </a:tc>
-                <a:tc>
-                  <a:txBody>
-                    <a:bodyPr/>
-                    <a:lstStyle/>
-                    <a:p>
-                      <a:pPr algn="ctr" fontAlgn="ctr"/>
-                      <a:r>
-                        <a:rPr lang="pt-BR" sz="800" u="none" strike="noStrike">
-                          <a:effectLst/>
-                        </a:rPr>
-                        <a:t>0.00</a:t>
-                      </a:r>
-                      <a:endParaRPr lang="pt-BR" sz="800" b="0" i="0" u="none" strike="noStrike">
-                        <a:solidFill>
-                          <a:srgbClr val="000000"/>
-                        </a:solidFill>
-                        <a:effectLst/>
-                        <a:latin typeface="Calibri"/>
-                      </a:endParaRPr>
-                    </a:p>
-                  </a:txBody>
-                  <a:tcPr marL="6535" marR="6535" marT="6535" marB="0" anchor="ctr"/>
+                        <a:rPr lang="pt-BR" sz="800" u="none" strike="noStrike" dirty="0">
+                          <a:effectLst/>
+                        </a:rPr>
+                        <a:t>-</a:t>
+                      </a:r>
+                      <a:endParaRPr lang="pt-BR" sz="800" b="0" i="0" u="none" strike="noStrike" dirty="0">
+                        <a:solidFill>
+                          <a:srgbClr val="000000"/>
+                        </a:solidFill>
+                        <a:effectLst/>
+                        <a:latin typeface="Calibri"/>
+                      </a:endParaRPr>
+                    </a:p>
+                  </a:txBody>
+                  <a:tcPr marL="7058" marR="7058" marT="7058" marB="0" anchor="ctr"/>
+                </a:tc>
+                <a:tc>
+                  <a:txBody>
+                    <a:bodyPr/>
+                    <a:lstStyle/>
+                    <a:p>
+                      <a:pPr algn="ctr" fontAlgn="ctr"/>
+                      <a:r>
+                        <a:rPr lang="pt-BR" sz="800" u="none" strike="noStrike" dirty="0">
+                          <a:effectLst/>
+                        </a:rPr>
+                        <a:t>-</a:t>
+                      </a:r>
+                      <a:endParaRPr lang="pt-BR" sz="800" b="0" i="0" u="none" strike="noStrike" dirty="0">
+                        <a:solidFill>
+                          <a:srgbClr val="000000"/>
+                        </a:solidFill>
+                        <a:effectLst/>
+                        <a:latin typeface="Calibri"/>
+                      </a:endParaRPr>
+                    </a:p>
+                  </a:txBody>
+                  <a:tcPr marL="7058" marR="7058" marT="7058" marB="0" anchor="ctr"/>
                 </a:tc>
               </a:tr>
               <a:tr h="130704">
@@ -26767,12 +26764,12 @@
                     <a:p>
                       <a:pPr algn="ctr" fontAlgn="ctr"/>
                       <a:r>
-                        <a:rPr lang="pt-BR" sz="800" u="none" strike="noStrike">
+                        <a:rPr lang="pt-BR" sz="800" u="none" strike="noStrike" dirty="0">
                           <a:effectLst/>
                         </a:rPr>
                         <a:t>0.98</a:t>
                       </a:r>
-                      <a:endParaRPr lang="pt-BR" sz="800" b="0" i="0" u="none" strike="noStrike">
+                      <a:endParaRPr lang="pt-BR" sz="800" b="0" i="0" u="none" strike="noStrike" dirty="0">
                         <a:solidFill>
                           <a:srgbClr val="000000"/>
                         </a:solidFill>
@@ -26940,44 +26937,44 @@
                     <a:p>
                       <a:pPr algn="ctr" fontAlgn="ctr"/>
                       <a:r>
-                        <a:rPr lang="pt-BR" sz="800" u="none" strike="noStrike">
-                          <a:effectLst/>
-                        </a:rPr>
-                        <a:t>0.00</a:t>
-                      </a:r>
-                      <a:endParaRPr lang="pt-BR" sz="800" b="0" i="0" u="none" strike="noStrike">
-                        <a:solidFill>
-                          <a:srgbClr val="000000"/>
-                        </a:solidFill>
-                        <a:effectLst/>
-                        <a:latin typeface="Calibri"/>
-                      </a:endParaRPr>
-                    </a:p>
-                  </a:txBody>
-                  <a:tcPr marL="6535" marR="6535" marT="6535" marB="0" anchor="ctr"/>
-                </a:tc>
-                <a:tc>
-                  <a:txBody>
-                    <a:bodyPr/>
-                    <a:lstStyle/>
-                    <a:p>
-                      <a:pPr algn="ctr" fontAlgn="ctr"/>
-                      <a:r>
-                        <a:rPr lang="pt-BR" sz="800" u="none" strike="noStrike">
-                          <a:effectLst/>
-                        </a:rPr>
-                        <a:t>0.00</a:t>
-                      </a:r>
-                      <a:endParaRPr lang="pt-BR" sz="800" b="0" i="0" u="none" strike="noStrike">
-                        <a:solidFill>
-                          <a:srgbClr val="000000"/>
-                        </a:solidFill>
-                        <a:effectLst/>
-                        <a:latin typeface="Calibri"/>
-                      </a:endParaRPr>
-                    </a:p>
-                  </a:txBody>
-                  <a:tcPr marL="6535" marR="6535" marT="6535" marB="0" anchor="ctr"/>
+                        <a:rPr lang="pt-BR" sz="800" u="none" strike="noStrike" dirty="0">
+                          <a:effectLst/>
+                        </a:rPr>
+                        <a:t>-</a:t>
+                      </a:r>
+                      <a:endParaRPr lang="pt-BR" sz="800" b="0" i="0" u="none" strike="noStrike" dirty="0">
+                        <a:solidFill>
+                          <a:srgbClr val="000000"/>
+                        </a:solidFill>
+                        <a:effectLst/>
+                        <a:latin typeface="Calibri"/>
+                      </a:endParaRPr>
+                    </a:p>
+                  </a:txBody>
+                  <a:tcPr marL="7058" marR="7058" marT="7058" marB="0" anchor="ctr"/>
+                </a:tc>
+                <a:tc>
+                  <a:txBody>
+                    <a:bodyPr/>
+                    <a:lstStyle/>
+                    <a:p>
+                      <a:pPr algn="ctr" fontAlgn="ctr"/>
+                      <a:r>
+                        <a:rPr lang="pt-BR" sz="800" u="none" strike="noStrike" dirty="0">
+                          <a:effectLst/>
+                        </a:rPr>
+                        <a:t>-</a:t>
+                      </a:r>
+                      <a:endParaRPr lang="pt-BR" sz="800" b="0" i="0" u="none" strike="noStrike" dirty="0">
+                        <a:solidFill>
+                          <a:srgbClr val="000000"/>
+                        </a:solidFill>
+                        <a:effectLst/>
+                        <a:latin typeface="Calibri"/>
+                      </a:endParaRPr>
+                    </a:p>
+                  </a:txBody>
+                  <a:tcPr marL="7058" marR="7058" marT="7058" marB="0" anchor="ctr"/>
                 </a:tc>
               </a:tr>
               <a:tr h="130704">
@@ -27126,12 +27123,12 @@
                     <a:p>
                       <a:pPr algn="ctr" fontAlgn="ctr"/>
                       <a:r>
-                        <a:rPr lang="pt-BR" sz="800" u="none" strike="noStrike">
+                        <a:rPr lang="pt-BR" sz="800" u="none" strike="noStrike" dirty="0">
                           <a:effectLst/>
                         </a:rPr>
                         <a:t>0.97</a:t>
                       </a:r>
-                      <a:endParaRPr lang="pt-BR" sz="800" b="0" i="0" u="none" strike="noStrike">
+                      <a:endParaRPr lang="pt-BR" sz="800" b="0" i="0" u="none" strike="noStrike" dirty="0">
                         <a:solidFill>
                           <a:srgbClr val="000000"/>
                         </a:solidFill>
@@ -27299,44 +27296,44 @@
                     <a:p>
                       <a:pPr algn="ctr" fontAlgn="ctr"/>
                       <a:r>
-                        <a:rPr lang="pt-BR" sz="800" u="none" strike="noStrike">
-                          <a:effectLst/>
-                        </a:rPr>
-                        <a:t>0.00</a:t>
-                      </a:r>
-                      <a:endParaRPr lang="pt-BR" sz="800" b="0" i="0" u="none" strike="noStrike">
-                        <a:solidFill>
-                          <a:srgbClr val="000000"/>
-                        </a:solidFill>
-                        <a:effectLst/>
-                        <a:latin typeface="Calibri"/>
-                      </a:endParaRPr>
-                    </a:p>
-                  </a:txBody>
-                  <a:tcPr marL="6535" marR="6535" marT="6535" marB="0" anchor="ctr"/>
-                </a:tc>
-                <a:tc>
-                  <a:txBody>
-                    <a:bodyPr/>
-                    <a:lstStyle/>
-                    <a:p>
-                      <a:pPr algn="ctr" fontAlgn="ctr"/>
-                      <a:r>
-                        <a:rPr lang="pt-BR" sz="800" u="none" strike="noStrike">
-                          <a:effectLst/>
-                        </a:rPr>
-                        <a:t>0.00</a:t>
-                      </a:r>
-                      <a:endParaRPr lang="pt-BR" sz="800" b="0" i="0" u="none" strike="noStrike">
-                        <a:solidFill>
-                          <a:srgbClr val="000000"/>
-                        </a:solidFill>
-                        <a:effectLst/>
-                        <a:latin typeface="Calibri"/>
-                      </a:endParaRPr>
-                    </a:p>
-                  </a:txBody>
-                  <a:tcPr marL="6535" marR="6535" marT="6535" marB="0" anchor="ctr"/>
+                        <a:rPr lang="pt-BR" sz="800" u="none" strike="noStrike" dirty="0">
+                          <a:effectLst/>
+                        </a:rPr>
+                        <a:t>-</a:t>
+                      </a:r>
+                      <a:endParaRPr lang="pt-BR" sz="800" b="0" i="0" u="none" strike="noStrike" dirty="0">
+                        <a:solidFill>
+                          <a:srgbClr val="000000"/>
+                        </a:solidFill>
+                        <a:effectLst/>
+                        <a:latin typeface="Calibri"/>
+                      </a:endParaRPr>
+                    </a:p>
+                  </a:txBody>
+                  <a:tcPr marL="7058" marR="7058" marT="7058" marB="0" anchor="ctr"/>
+                </a:tc>
+                <a:tc>
+                  <a:txBody>
+                    <a:bodyPr/>
+                    <a:lstStyle/>
+                    <a:p>
+                      <a:pPr algn="ctr" fontAlgn="ctr"/>
+                      <a:r>
+                        <a:rPr lang="pt-BR" sz="800" u="none" strike="noStrike" dirty="0">
+                          <a:effectLst/>
+                        </a:rPr>
+                        <a:t>-</a:t>
+                      </a:r>
+                      <a:endParaRPr lang="pt-BR" sz="800" b="0" i="0" u="none" strike="noStrike" dirty="0">
+                        <a:solidFill>
+                          <a:srgbClr val="000000"/>
+                        </a:solidFill>
+                        <a:effectLst/>
+                        <a:latin typeface="Calibri"/>
+                      </a:endParaRPr>
+                    </a:p>
+                  </a:txBody>
+                  <a:tcPr marL="7058" marR="7058" marT="7058" marB="0" anchor="ctr"/>
                 </a:tc>
               </a:tr>
               <a:tr h="130704">
@@ -27485,12 +27482,12 @@
                     <a:p>
                       <a:pPr algn="ctr" fontAlgn="ctr"/>
                       <a:r>
-                        <a:rPr lang="pt-BR" sz="800" u="none" strike="noStrike">
+                        <a:rPr lang="pt-BR" sz="800" u="none" strike="noStrike" dirty="0">
                           <a:effectLst/>
                         </a:rPr>
                         <a:t>0.94</a:t>
                       </a:r>
-                      <a:endParaRPr lang="pt-BR" sz="800" b="0" i="0" u="none" strike="noStrike">
+                      <a:endParaRPr lang="pt-BR" sz="800" b="0" i="0" u="none" strike="noStrike" dirty="0">
                         <a:solidFill>
                           <a:srgbClr val="000000"/>
                         </a:solidFill>
@@ -27658,44 +27655,44 @@
                     <a:p>
                       <a:pPr algn="ctr" fontAlgn="ctr"/>
                       <a:r>
-                        <a:rPr lang="pt-BR" sz="800" u="none" strike="noStrike">
-                          <a:effectLst/>
-                        </a:rPr>
-                        <a:t>0.00</a:t>
-                      </a:r>
-                      <a:endParaRPr lang="pt-BR" sz="800" b="0" i="0" u="none" strike="noStrike">
-                        <a:solidFill>
-                          <a:srgbClr val="000000"/>
-                        </a:solidFill>
-                        <a:effectLst/>
-                        <a:latin typeface="Calibri"/>
-                      </a:endParaRPr>
-                    </a:p>
-                  </a:txBody>
-                  <a:tcPr marL="6535" marR="6535" marT="6535" marB="0" anchor="ctr"/>
-                </a:tc>
-                <a:tc>
-                  <a:txBody>
-                    <a:bodyPr/>
-                    <a:lstStyle/>
-                    <a:p>
-                      <a:pPr algn="ctr" fontAlgn="ctr"/>
-                      <a:r>
-                        <a:rPr lang="pt-BR" sz="800" u="none" strike="noStrike">
-                          <a:effectLst/>
-                        </a:rPr>
-                        <a:t>0.00</a:t>
-                      </a:r>
-                      <a:endParaRPr lang="pt-BR" sz="800" b="0" i="0" u="none" strike="noStrike">
-                        <a:solidFill>
-                          <a:srgbClr val="000000"/>
-                        </a:solidFill>
-                        <a:effectLst/>
-                        <a:latin typeface="Calibri"/>
-                      </a:endParaRPr>
-                    </a:p>
-                  </a:txBody>
-                  <a:tcPr marL="6535" marR="6535" marT="6535" marB="0" anchor="ctr"/>
+                        <a:rPr lang="pt-BR" sz="800" u="none" strike="noStrike" dirty="0">
+                          <a:effectLst/>
+                        </a:rPr>
+                        <a:t>-</a:t>
+                      </a:r>
+                      <a:endParaRPr lang="pt-BR" sz="800" b="0" i="0" u="none" strike="noStrike" dirty="0">
+                        <a:solidFill>
+                          <a:srgbClr val="000000"/>
+                        </a:solidFill>
+                        <a:effectLst/>
+                        <a:latin typeface="Calibri"/>
+                      </a:endParaRPr>
+                    </a:p>
+                  </a:txBody>
+                  <a:tcPr marL="7058" marR="7058" marT="7058" marB="0" anchor="ctr"/>
+                </a:tc>
+                <a:tc>
+                  <a:txBody>
+                    <a:bodyPr/>
+                    <a:lstStyle/>
+                    <a:p>
+                      <a:pPr algn="ctr" fontAlgn="ctr"/>
+                      <a:r>
+                        <a:rPr lang="pt-BR" sz="800" u="none" strike="noStrike" dirty="0">
+                          <a:effectLst/>
+                        </a:rPr>
+                        <a:t>-</a:t>
+                      </a:r>
+                      <a:endParaRPr lang="pt-BR" sz="800" b="0" i="0" u="none" strike="noStrike" dirty="0">
+                        <a:solidFill>
+                          <a:srgbClr val="000000"/>
+                        </a:solidFill>
+                        <a:effectLst/>
+                        <a:latin typeface="Calibri"/>
+                      </a:endParaRPr>
+                    </a:p>
+                  </a:txBody>
+                  <a:tcPr marL="7058" marR="7058" marT="7058" marB="0" anchor="ctr"/>
                 </a:tc>
               </a:tr>
               <a:tr h="130704">
@@ -27844,35 +27841,35 @@
                     <a:p>
                       <a:pPr algn="ctr" fontAlgn="ctr"/>
                       <a:r>
-                        <a:rPr lang="pt-BR" sz="800" u="none" strike="noStrike">
+                        <a:rPr lang="pt-BR" sz="800" u="none" strike="noStrike" dirty="0">
                           <a:effectLst/>
                         </a:rPr>
                         <a:t>0.66</a:t>
                       </a:r>
-                      <a:endParaRPr lang="pt-BR" sz="800" b="0" i="0" u="none" strike="noStrike">
-                        <a:solidFill>
-                          <a:srgbClr val="000000"/>
-                        </a:solidFill>
-                        <a:effectLst/>
-                        <a:latin typeface="Calibri"/>
-                      </a:endParaRPr>
-                    </a:p>
-                  </a:txBody>
-                  <a:tcPr marL="6535" marR="6535" marT="6535" marB="0" anchor="ctr"/>
-                </a:tc>
-                <a:tc>
-                  <a:txBody>
-                    <a:bodyPr/>
-                    <a:lstStyle/>
-                    <a:p>
-                      <a:pPr algn="ctr" fontAlgn="ctr"/>
-                      <a:r>
-                        <a:rPr lang="pt-BR" sz="800" u="none" strike="noStrike">
+                      <a:endParaRPr lang="pt-BR" sz="800" b="0" i="0" u="none" strike="noStrike" dirty="0">
+                        <a:solidFill>
+                          <a:srgbClr val="000000"/>
+                        </a:solidFill>
+                        <a:effectLst/>
+                        <a:latin typeface="Calibri"/>
+                      </a:endParaRPr>
+                    </a:p>
+                  </a:txBody>
+                  <a:tcPr marL="6535" marR="6535" marT="6535" marB="0" anchor="ctr"/>
+                </a:tc>
+                <a:tc>
+                  <a:txBody>
+                    <a:bodyPr/>
+                    <a:lstStyle/>
+                    <a:p>
+                      <a:pPr algn="ctr" fontAlgn="ctr"/>
+                      <a:r>
+                        <a:rPr lang="pt-BR" sz="800" u="none" strike="noStrike" dirty="0">
                           <a:effectLst/>
                         </a:rPr>
                         <a:t>0.01</a:t>
                       </a:r>
-                      <a:endParaRPr lang="pt-BR" sz="800" b="0" i="0" u="none" strike="noStrike">
+                      <a:endParaRPr lang="pt-BR" sz="800" b="0" i="0" u="none" strike="noStrike" dirty="0">
                         <a:solidFill>
                           <a:srgbClr val="000000"/>
                         </a:solidFill>
@@ -28017,44 +28014,44 @@
                     <a:p>
                       <a:pPr algn="ctr" fontAlgn="ctr"/>
                       <a:r>
-                        <a:rPr lang="pt-BR" sz="800" u="none" strike="noStrike">
-                          <a:effectLst/>
-                        </a:rPr>
-                        <a:t>0.00</a:t>
-                      </a:r>
-                      <a:endParaRPr lang="pt-BR" sz="800" b="0" i="0" u="none" strike="noStrike">
-                        <a:solidFill>
-                          <a:srgbClr val="000000"/>
-                        </a:solidFill>
-                        <a:effectLst/>
-                        <a:latin typeface="Calibri"/>
-                      </a:endParaRPr>
-                    </a:p>
-                  </a:txBody>
-                  <a:tcPr marL="6535" marR="6535" marT="6535" marB="0" anchor="ctr"/>
-                </a:tc>
-                <a:tc>
-                  <a:txBody>
-                    <a:bodyPr/>
-                    <a:lstStyle/>
-                    <a:p>
-                      <a:pPr algn="ctr" fontAlgn="ctr"/>
-                      <a:r>
-                        <a:rPr lang="pt-BR" sz="800" u="none" strike="noStrike">
-                          <a:effectLst/>
-                        </a:rPr>
-                        <a:t>0.00</a:t>
-                      </a:r>
-                      <a:endParaRPr lang="pt-BR" sz="800" b="0" i="0" u="none" strike="noStrike">
-                        <a:solidFill>
-                          <a:srgbClr val="000000"/>
-                        </a:solidFill>
-                        <a:effectLst/>
-                        <a:latin typeface="Calibri"/>
-                      </a:endParaRPr>
-                    </a:p>
-                  </a:txBody>
-                  <a:tcPr marL="6535" marR="6535" marT="6535" marB="0" anchor="ctr"/>
+                        <a:rPr lang="pt-BR" sz="800" u="none" strike="noStrike" dirty="0">
+                          <a:effectLst/>
+                        </a:rPr>
+                        <a:t>-</a:t>
+                      </a:r>
+                      <a:endParaRPr lang="pt-BR" sz="800" b="0" i="0" u="none" strike="noStrike" dirty="0">
+                        <a:solidFill>
+                          <a:srgbClr val="000000"/>
+                        </a:solidFill>
+                        <a:effectLst/>
+                        <a:latin typeface="Calibri"/>
+                      </a:endParaRPr>
+                    </a:p>
+                  </a:txBody>
+                  <a:tcPr marL="7058" marR="7058" marT="7058" marB="0" anchor="ctr"/>
+                </a:tc>
+                <a:tc>
+                  <a:txBody>
+                    <a:bodyPr/>
+                    <a:lstStyle/>
+                    <a:p>
+                      <a:pPr algn="ctr" fontAlgn="ctr"/>
+                      <a:r>
+                        <a:rPr lang="pt-BR" sz="800" u="none" strike="noStrike" dirty="0">
+                          <a:effectLst/>
+                        </a:rPr>
+                        <a:t>-</a:t>
+                      </a:r>
+                      <a:endParaRPr lang="pt-BR" sz="800" b="0" i="0" u="none" strike="noStrike" dirty="0">
+                        <a:solidFill>
+                          <a:srgbClr val="000000"/>
+                        </a:solidFill>
+                        <a:effectLst/>
+                        <a:latin typeface="Calibri"/>
+                      </a:endParaRPr>
+                    </a:p>
+                  </a:txBody>
+                  <a:tcPr marL="7058" marR="7058" marT="7058" marB="0" anchor="ctr"/>
                 </a:tc>
               </a:tr>
               <a:tr h="130704">
@@ -28203,12 +28200,12 @@
                     <a:p>
                       <a:pPr algn="ctr" fontAlgn="ctr"/>
                       <a:r>
-                        <a:rPr lang="pt-BR" sz="800" u="none" strike="noStrike">
+                        <a:rPr lang="pt-BR" sz="800" u="none" strike="noStrike" dirty="0">
                           <a:effectLst/>
                         </a:rPr>
                         <a:t>1.00</a:t>
                       </a:r>
-                      <a:endParaRPr lang="pt-BR" sz="800" b="0" i="0" u="none" strike="noStrike">
+                      <a:endParaRPr lang="pt-BR" sz="800" b="0" i="0" u="none" strike="noStrike" dirty="0">
                         <a:solidFill>
                           <a:srgbClr val="000000"/>
                         </a:solidFill>
@@ -28376,44 +28373,44 @@
                     <a:p>
                       <a:pPr algn="ctr" fontAlgn="ctr"/>
                       <a:r>
-                        <a:rPr lang="pt-BR" sz="800" u="none" strike="noStrike">
-                          <a:effectLst/>
-                        </a:rPr>
-                        <a:t>0.00</a:t>
-                      </a:r>
-                      <a:endParaRPr lang="pt-BR" sz="800" b="0" i="0" u="none" strike="noStrike">
-                        <a:solidFill>
-                          <a:srgbClr val="000000"/>
-                        </a:solidFill>
-                        <a:effectLst/>
-                        <a:latin typeface="Calibri"/>
-                      </a:endParaRPr>
-                    </a:p>
-                  </a:txBody>
-                  <a:tcPr marL="6535" marR="6535" marT="6535" marB="0" anchor="ctr"/>
-                </a:tc>
-                <a:tc>
-                  <a:txBody>
-                    <a:bodyPr/>
-                    <a:lstStyle/>
-                    <a:p>
-                      <a:pPr algn="ctr" fontAlgn="ctr"/>
-                      <a:r>
-                        <a:rPr lang="pt-BR" sz="800" u="none" strike="noStrike">
-                          <a:effectLst/>
-                        </a:rPr>
-                        <a:t>0.00</a:t>
-                      </a:r>
-                      <a:endParaRPr lang="pt-BR" sz="800" b="0" i="0" u="none" strike="noStrike">
-                        <a:solidFill>
-                          <a:srgbClr val="000000"/>
-                        </a:solidFill>
-                        <a:effectLst/>
-                        <a:latin typeface="Calibri"/>
-                      </a:endParaRPr>
-                    </a:p>
-                  </a:txBody>
-                  <a:tcPr marL="6535" marR="6535" marT="6535" marB="0" anchor="ctr"/>
+                        <a:rPr lang="pt-BR" sz="800" u="none" strike="noStrike" dirty="0">
+                          <a:effectLst/>
+                        </a:rPr>
+                        <a:t>-</a:t>
+                      </a:r>
+                      <a:endParaRPr lang="pt-BR" sz="800" b="0" i="0" u="none" strike="noStrike" dirty="0">
+                        <a:solidFill>
+                          <a:srgbClr val="000000"/>
+                        </a:solidFill>
+                        <a:effectLst/>
+                        <a:latin typeface="Calibri"/>
+                      </a:endParaRPr>
+                    </a:p>
+                  </a:txBody>
+                  <a:tcPr marL="7058" marR="7058" marT="7058" marB="0" anchor="ctr"/>
+                </a:tc>
+                <a:tc>
+                  <a:txBody>
+                    <a:bodyPr/>
+                    <a:lstStyle/>
+                    <a:p>
+                      <a:pPr algn="ctr" fontAlgn="ctr"/>
+                      <a:r>
+                        <a:rPr lang="pt-BR" sz="800" u="none" strike="noStrike" dirty="0">
+                          <a:effectLst/>
+                        </a:rPr>
+                        <a:t>-</a:t>
+                      </a:r>
+                      <a:endParaRPr lang="pt-BR" sz="800" b="0" i="0" u="none" strike="noStrike" dirty="0">
+                        <a:solidFill>
+                          <a:srgbClr val="000000"/>
+                        </a:solidFill>
+                        <a:effectLst/>
+                        <a:latin typeface="Calibri"/>
+                      </a:endParaRPr>
+                    </a:p>
+                  </a:txBody>
+                  <a:tcPr marL="7058" marR="7058" marT="7058" marB="0" anchor="ctr"/>
                 </a:tc>
               </a:tr>
               <a:tr h="130704">
@@ -28562,12 +28559,12 @@
                     <a:p>
                       <a:pPr algn="ctr" fontAlgn="ctr"/>
                       <a:r>
-                        <a:rPr lang="pt-BR" sz="800" u="none" strike="noStrike">
+                        <a:rPr lang="pt-BR" sz="800" u="none" strike="noStrike" dirty="0">
                           <a:effectLst/>
                         </a:rPr>
                         <a:t>0.79</a:t>
                       </a:r>
-                      <a:endParaRPr lang="pt-BR" sz="800" b="0" i="0" u="none" strike="noStrike">
+                      <a:endParaRPr lang="pt-BR" sz="800" b="0" i="0" u="none" strike="noStrike" dirty="0">
                         <a:solidFill>
                           <a:srgbClr val="000000"/>
                         </a:solidFill>
@@ -28735,44 +28732,44 @@
                     <a:p>
                       <a:pPr algn="ctr" fontAlgn="ctr"/>
                       <a:r>
-                        <a:rPr lang="pt-BR" sz="800" u="none" strike="noStrike">
-                          <a:effectLst/>
-                        </a:rPr>
-                        <a:t>0.00</a:t>
-                      </a:r>
-                      <a:endParaRPr lang="pt-BR" sz="800" b="0" i="0" u="none" strike="noStrike">
-                        <a:solidFill>
-                          <a:srgbClr val="000000"/>
-                        </a:solidFill>
-                        <a:effectLst/>
-                        <a:latin typeface="Calibri"/>
-                      </a:endParaRPr>
-                    </a:p>
-                  </a:txBody>
-                  <a:tcPr marL="6535" marR="6535" marT="6535" marB="0" anchor="ctr"/>
-                </a:tc>
-                <a:tc>
-                  <a:txBody>
-                    <a:bodyPr/>
-                    <a:lstStyle/>
-                    <a:p>
-                      <a:pPr algn="ctr" fontAlgn="ctr"/>
-                      <a:r>
-                        <a:rPr lang="pt-BR" sz="800" u="none" strike="noStrike">
-                          <a:effectLst/>
-                        </a:rPr>
-                        <a:t>0.00</a:t>
-                      </a:r>
-                      <a:endParaRPr lang="pt-BR" sz="800" b="0" i="0" u="none" strike="noStrike">
-                        <a:solidFill>
-                          <a:srgbClr val="000000"/>
-                        </a:solidFill>
-                        <a:effectLst/>
-                        <a:latin typeface="Calibri"/>
-                      </a:endParaRPr>
-                    </a:p>
-                  </a:txBody>
-                  <a:tcPr marL="6535" marR="6535" marT="6535" marB="0" anchor="ctr"/>
+                        <a:rPr lang="pt-BR" sz="800" u="none" strike="noStrike" dirty="0">
+                          <a:effectLst/>
+                        </a:rPr>
+                        <a:t>-</a:t>
+                      </a:r>
+                      <a:endParaRPr lang="pt-BR" sz="800" b="0" i="0" u="none" strike="noStrike" dirty="0">
+                        <a:solidFill>
+                          <a:srgbClr val="000000"/>
+                        </a:solidFill>
+                        <a:effectLst/>
+                        <a:latin typeface="Calibri"/>
+                      </a:endParaRPr>
+                    </a:p>
+                  </a:txBody>
+                  <a:tcPr marL="7058" marR="7058" marT="7058" marB="0" anchor="ctr"/>
+                </a:tc>
+                <a:tc>
+                  <a:txBody>
+                    <a:bodyPr/>
+                    <a:lstStyle/>
+                    <a:p>
+                      <a:pPr algn="ctr" fontAlgn="ctr"/>
+                      <a:r>
+                        <a:rPr lang="pt-BR" sz="800" u="none" strike="noStrike" dirty="0">
+                          <a:effectLst/>
+                        </a:rPr>
+                        <a:t>-</a:t>
+                      </a:r>
+                      <a:endParaRPr lang="pt-BR" sz="800" b="0" i="0" u="none" strike="noStrike" dirty="0">
+                        <a:solidFill>
+                          <a:srgbClr val="000000"/>
+                        </a:solidFill>
+                        <a:effectLst/>
+                        <a:latin typeface="Calibri"/>
+                      </a:endParaRPr>
+                    </a:p>
+                  </a:txBody>
+                  <a:tcPr marL="7058" marR="7058" marT="7058" marB="0" anchor="ctr"/>
                 </a:tc>
               </a:tr>
               <a:tr h="130704">
@@ -28921,12 +28918,12 @@
                     <a:p>
                       <a:pPr algn="ctr" fontAlgn="ctr"/>
                       <a:r>
-                        <a:rPr lang="pt-BR" sz="800" u="none" strike="noStrike">
+                        <a:rPr lang="pt-BR" sz="800" u="none" strike="noStrike" dirty="0">
                           <a:effectLst/>
                         </a:rPr>
                         <a:t>0.88</a:t>
                       </a:r>
-                      <a:endParaRPr lang="pt-BR" sz="800" b="0" i="0" u="none" strike="noStrike">
+                      <a:endParaRPr lang="pt-BR" sz="800" b="0" i="0" u="none" strike="noStrike" dirty="0">
                         <a:solidFill>
                           <a:srgbClr val="000000"/>
                         </a:solidFill>
@@ -29094,44 +29091,44 @@
                     <a:p>
                       <a:pPr algn="ctr" fontAlgn="ctr"/>
                       <a:r>
-                        <a:rPr lang="pt-BR" sz="800" u="none" strike="noStrike">
-                          <a:effectLst/>
-                        </a:rPr>
-                        <a:t>0.00</a:t>
-                      </a:r>
-                      <a:endParaRPr lang="pt-BR" sz="800" b="0" i="0" u="none" strike="noStrike">
-                        <a:solidFill>
-                          <a:srgbClr val="000000"/>
-                        </a:solidFill>
-                        <a:effectLst/>
-                        <a:latin typeface="Calibri"/>
-                      </a:endParaRPr>
-                    </a:p>
-                  </a:txBody>
-                  <a:tcPr marL="6535" marR="6535" marT="6535" marB="0" anchor="ctr"/>
-                </a:tc>
-                <a:tc>
-                  <a:txBody>
-                    <a:bodyPr/>
-                    <a:lstStyle/>
-                    <a:p>
-                      <a:pPr algn="ctr" fontAlgn="ctr"/>
-                      <a:r>
-                        <a:rPr lang="pt-BR" sz="800" u="none" strike="noStrike">
-                          <a:effectLst/>
-                        </a:rPr>
-                        <a:t>0.00</a:t>
-                      </a:r>
-                      <a:endParaRPr lang="pt-BR" sz="800" b="0" i="0" u="none" strike="noStrike">
-                        <a:solidFill>
-                          <a:srgbClr val="000000"/>
-                        </a:solidFill>
-                        <a:effectLst/>
-                        <a:latin typeface="Calibri"/>
-                      </a:endParaRPr>
-                    </a:p>
-                  </a:txBody>
-                  <a:tcPr marL="6535" marR="6535" marT="6535" marB="0" anchor="ctr"/>
+                        <a:rPr lang="pt-BR" sz="800" u="none" strike="noStrike" dirty="0">
+                          <a:effectLst/>
+                        </a:rPr>
+                        <a:t>-</a:t>
+                      </a:r>
+                      <a:endParaRPr lang="pt-BR" sz="800" b="0" i="0" u="none" strike="noStrike" dirty="0">
+                        <a:solidFill>
+                          <a:srgbClr val="000000"/>
+                        </a:solidFill>
+                        <a:effectLst/>
+                        <a:latin typeface="Calibri"/>
+                      </a:endParaRPr>
+                    </a:p>
+                  </a:txBody>
+                  <a:tcPr marL="7058" marR="7058" marT="7058" marB="0" anchor="ctr"/>
+                </a:tc>
+                <a:tc>
+                  <a:txBody>
+                    <a:bodyPr/>
+                    <a:lstStyle/>
+                    <a:p>
+                      <a:pPr algn="ctr" fontAlgn="ctr"/>
+                      <a:r>
+                        <a:rPr lang="pt-BR" sz="800" u="none" strike="noStrike" dirty="0">
+                          <a:effectLst/>
+                        </a:rPr>
+                        <a:t>-</a:t>
+                      </a:r>
+                      <a:endParaRPr lang="pt-BR" sz="800" b="0" i="0" u="none" strike="noStrike" dirty="0">
+                        <a:solidFill>
+                          <a:srgbClr val="000000"/>
+                        </a:solidFill>
+                        <a:effectLst/>
+                        <a:latin typeface="Calibri"/>
+                      </a:endParaRPr>
+                    </a:p>
+                  </a:txBody>
+                  <a:tcPr marL="7058" marR="7058" marT="7058" marB="0" anchor="ctr"/>
                 </a:tc>
               </a:tr>
               <a:tr h="130704">
@@ -29280,12 +29277,12 @@
                     <a:p>
                       <a:pPr algn="ctr" fontAlgn="ctr"/>
                       <a:r>
-                        <a:rPr lang="pt-BR" sz="800" u="none" strike="noStrike">
+                        <a:rPr lang="pt-BR" sz="800" u="none" strike="noStrike" dirty="0">
                           <a:effectLst/>
                         </a:rPr>
                         <a:t>1.00</a:t>
                       </a:r>
-                      <a:endParaRPr lang="pt-BR" sz="800" b="0" i="0" u="none" strike="noStrike">
+                      <a:endParaRPr lang="pt-BR" sz="800" b="0" i="0" u="none" strike="noStrike" dirty="0">
                         <a:solidFill>
                           <a:srgbClr val="000000"/>
                         </a:solidFill>
@@ -29453,44 +29450,44 @@
                     <a:p>
                       <a:pPr algn="ctr" fontAlgn="ctr"/>
                       <a:r>
-                        <a:rPr lang="pt-BR" sz="800" u="none" strike="noStrike">
-                          <a:effectLst/>
-                        </a:rPr>
-                        <a:t>0.00</a:t>
-                      </a:r>
-                      <a:endParaRPr lang="pt-BR" sz="800" b="0" i="0" u="none" strike="noStrike">
-                        <a:solidFill>
-                          <a:srgbClr val="000000"/>
-                        </a:solidFill>
-                        <a:effectLst/>
-                        <a:latin typeface="Calibri"/>
-                      </a:endParaRPr>
-                    </a:p>
-                  </a:txBody>
-                  <a:tcPr marL="6535" marR="6535" marT="6535" marB="0" anchor="ctr"/>
-                </a:tc>
-                <a:tc>
-                  <a:txBody>
-                    <a:bodyPr/>
-                    <a:lstStyle/>
-                    <a:p>
-                      <a:pPr algn="ctr" fontAlgn="ctr"/>
-                      <a:r>
-                        <a:rPr lang="pt-BR" sz="800" u="none" strike="noStrike">
-                          <a:effectLst/>
-                        </a:rPr>
-                        <a:t>0.00</a:t>
-                      </a:r>
-                      <a:endParaRPr lang="pt-BR" sz="800" b="0" i="0" u="none" strike="noStrike">
-                        <a:solidFill>
-                          <a:srgbClr val="000000"/>
-                        </a:solidFill>
-                        <a:effectLst/>
-                        <a:latin typeface="Calibri"/>
-                      </a:endParaRPr>
-                    </a:p>
-                  </a:txBody>
-                  <a:tcPr marL="6535" marR="6535" marT="6535" marB="0" anchor="ctr"/>
+                        <a:rPr lang="pt-BR" sz="800" u="none" strike="noStrike" dirty="0">
+                          <a:effectLst/>
+                        </a:rPr>
+                        <a:t>-</a:t>
+                      </a:r>
+                      <a:endParaRPr lang="pt-BR" sz="800" b="0" i="0" u="none" strike="noStrike" dirty="0">
+                        <a:solidFill>
+                          <a:srgbClr val="000000"/>
+                        </a:solidFill>
+                        <a:effectLst/>
+                        <a:latin typeface="Calibri"/>
+                      </a:endParaRPr>
+                    </a:p>
+                  </a:txBody>
+                  <a:tcPr marL="7058" marR="7058" marT="7058" marB="0" anchor="ctr"/>
+                </a:tc>
+                <a:tc>
+                  <a:txBody>
+                    <a:bodyPr/>
+                    <a:lstStyle/>
+                    <a:p>
+                      <a:pPr algn="ctr" fontAlgn="ctr"/>
+                      <a:r>
+                        <a:rPr lang="pt-BR" sz="800" u="none" strike="noStrike" dirty="0">
+                          <a:effectLst/>
+                        </a:rPr>
+                        <a:t>-</a:t>
+                      </a:r>
+                      <a:endParaRPr lang="pt-BR" sz="800" b="0" i="0" u="none" strike="noStrike" dirty="0">
+                        <a:solidFill>
+                          <a:srgbClr val="000000"/>
+                        </a:solidFill>
+                        <a:effectLst/>
+                        <a:latin typeface="Calibri"/>
+                      </a:endParaRPr>
+                    </a:p>
+                  </a:txBody>
+                  <a:tcPr marL="7058" marR="7058" marT="7058" marB="0" anchor="ctr"/>
                 </a:tc>
               </a:tr>
               <a:tr h="130704">
@@ -29639,12 +29636,12 @@
                     <a:p>
                       <a:pPr algn="ctr" fontAlgn="ctr"/>
                       <a:r>
-                        <a:rPr lang="pt-BR" sz="800" u="none" strike="noStrike">
+                        <a:rPr lang="pt-BR" sz="800" u="none" strike="noStrike" dirty="0">
                           <a:effectLst/>
                         </a:rPr>
                         <a:t>0.73</a:t>
                       </a:r>
-                      <a:endParaRPr lang="pt-BR" sz="800" b="0" i="0" u="none" strike="noStrike">
+                      <a:endParaRPr lang="pt-BR" sz="800" b="0" i="0" u="none" strike="noStrike" dirty="0">
                         <a:solidFill>
                           <a:srgbClr val="000000"/>
                         </a:solidFill>
@@ -29812,44 +29809,44 @@
                     <a:p>
                       <a:pPr algn="ctr" fontAlgn="ctr"/>
                       <a:r>
-                        <a:rPr lang="pt-BR" sz="800" u="none" strike="noStrike">
-                          <a:effectLst/>
-                        </a:rPr>
-                        <a:t>0.00</a:t>
-                      </a:r>
-                      <a:endParaRPr lang="pt-BR" sz="800" b="0" i="0" u="none" strike="noStrike">
-                        <a:solidFill>
-                          <a:srgbClr val="000000"/>
-                        </a:solidFill>
-                        <a:effectLst/>
-                        <a:latin typeface="Calibri"/>
-                      </a:endParaRPr>
-                    </a:p>
-                  </a:txBody>
-                  <a:tcPr marL="6535" marR="6535" marT="6535" marB="0" anchor="ctr"/>
-                </a:tc>
-                <a:tc>
-                  <a:txBody>
-                    <a:bodyPr/>
-                    <a:lstStyle/>
-                    <a:p>
-                      <a:pPr algn="ctr" fontAlgn="ctr"/>
-                      <a:r>
-                        <a:rPr lang="pt-BR" sz="800" u="none" strike="noStrike">
-                          <a:effectLst/>
-                        </a:rPr>
-                        <a:t>0.00</a:t>
-                      </a:r>
-                      <a:endParaRPr lang="pt-BR" sz="800" b="0" i="0" u="none" strike="noStrike">
-                        <a:solidFill>
-                          <a:srgbClr val="000000"/>
-                        </a:solidFill>
-                        <a:effectLst/>
-                        <a:latin typeface="Calibri"/>
-                      </a:endParaRPr>
-                    </a:p>
-                  </a:txBody>
-                  <a:tcPr marL="6535" marR="6535" marT="6535" marB="0" anchor="ctr"/>
+                        <a:rPr lang="pt-BR" sz="800" u="none" strike="noStrike" dirty="0">
+                          <a:effectLst/>
+                        </a:rPr>
+                        <a:t>-</a:t>
+                      </a:r>
+                      <a:endParaRPr lang="pt-BR" sz="800" b="0" i="0" u="none" strike="noStrike" dirty="0">
+                        <a:solidFill>
+                          <a:srgbClr val="000000"/>
+                        </a:solidFill>
+                        <a:effectLst/>
+                        <a:latin typeface="Calibri"/>
+                      </a:endParaRPr>
+                    </a:p>
+                  </a:txBody>
+                  <a:tcPr marL="7058" marR="7058" marT="7058" marB="0" anchor="ctr"/>
+                </a:tc>
+                <a:tc>
+                  <a:txBody>
+                    <a:bodyPr/>
+                    <a:lstStyle/>
+                    <a:p>
+                      <a:pPr algn="ctr" fontAlgn="ctr"/>
+                      <a:r>
+                        <a:rPr lang="pt-BR" sz="800" u="none" strike="noStrike" dirty="0">
+                          <a:effectLst/>
+                        </a:rPr>
+                        <a:t>-</a:t>
+                      </a:r>
+                      <a:endParaRPr lang="pt-BR" sz="800" b="0" i="0" u="none" strike="noStrike" dirty="0">
+                        <a:solidFill>
+                          <a:srgbClr val="000000"/>
+                        </a:solidFill>
+                        <a:effectLst/>
+                        <a:latin typeface="Calibri"/>
+                      </a:endParaRPr>
+                    </a:p>
+                  </a:txBody>
+                  <a:tcPr marL="7058" marR="7058" marT="7058" marB="0" anchor="ctr"/>
                 </a:tc>
               </a:tr>
               <a:tr h="130704">
@@ -29998,12 +29995,12 @@
                     <a:p>
                       <a:pPr algn="ctr" fontAlgn="ctr"/>
                       <a:r>
-                        <a:rPr lang="pt-BR" sz="800" u="none" strike="noStrike">
+                        <a:rPr lang="pt-BR" sz="800" u="none" strike="noStrike" dirty="0">
                           <a:effectLst/>
                         </a:rPr>
                         <a:t>0.84</a:t>
                       </a:r>
-                      <a:endParaRPr lang="pt-BR" sz="800" b="0" i="0" u="none" strike="noStrike">
+                      <a:endParaRPr lang="pt-BR" sz="800" b="0" i="0" u="none" strike="noStrike" dirty="0">
                         <a:solidFill>
                           <a:srgbClr val="000000"/>
                         </a:solidFill>
@@ -30171,44 +30168,44 @@
                     <a:p>
                       <a:pPr algn="ctr" fontAlgn="ctr"/>
                       <a:r>
-                        <a:rPr lang="pt-BR" sz="800" u="none" strike="noStrike">
-                          <a:effectLst/>
-                        </a:rPr>
-                        <a:t>0.00</a:t>
-                      </a:r>
-                      <a:endParaRPr lang="pt-BR" sz="800" b="0" i="0" u="none" strike="noStrike">
-                        <a:solidFill>
-                          <a:srgbClr val="000000"/>
-                        </a:solidFill>
-                        <a:effectLst/>
-                        <a:latin typeface="Calibri"/>
-                      </a:endParaRPr>
-                    </a:p>
-                  </a:txBody>
-                  <a:tcPr marL="6535" marR="6535" marT="6535" marB="0" anchor="ctr"/>
-                </a:tc>
-                <a:tc>
-                  <a:txBody>
-                    <a:bodyPr/>
-                    <a:lstStyle/>
-                    <a:p>
-                      <a:pPr algn="ctr" fontAlgn="ctr"/>
-                      <a:r>
-                        <a:rPr lang="pt-BR" sz="800" u="none" strike="noStrike">
-                          <a:effectLst/>
-                        </a:rPr>
-                        <a:t>0.00</a:t>
-                      </a:r>
-                      <a:endParaRPr lang="pt-BR" sz="800" b="0" i="0" u="none" strike="noStrike">
-                        <a:solidFill>
-                          <a:srgbClr val="000000"/>
-                        </a:solidFill>
-                        <a:effectLst/>
-                        <a:latin typeface="Calibri"/>
-                      </a:endParaRPr>
-                    </a:p>
-                  </a:txBody>
-                  <a:tcPr marL="6535" marR="6535" marT="6535" marB="0" anchor="ctr"/>
+                        <a:rPr lang="pt-BR" sz="800" u="none" strike="noStrike" dirty="0">
+                          <a:effectLst/>
+                        </a:rPr>
+                        <a:t>-</a:t>
+                      </a:r>
+                      <a:endParaRPr lang="pt-BR" sz="800" b="0" i="0" u="none" strike="noStrike" dirty="0">
+                        <a:solidFill>
+                          <a:srgbClr val="000000"/>
+                        </a:solidFill>
+                        <a:effectLst/>
+                        <a:latin typeface="Calibri"/>
+                      </a:endParaRPr>
+                    </a:p>
+                  </a:txBody>
+                  <a:tcPr marL="7058" marR="7058" marT="7058" marB="0" anchor="ctr"/>
+                </a:tc>
+                <a:tc>
+                  <a:txBody>
+                    <a:bodyPr/>
+                    <a:lstStyle/>
+                    <a:p>
+                      <a:pPr algn="ctr" fontAlgn="ctr"/>
+                      <a:r>
+                        <a:rPr lang="pt-BR" sz="800" u="none" strike="noStrike" dirty="0">
+                          <a:effectLst/>
+                        </a:rPr>
+                        <a:t>-</a:t>
+                      </a:r>
+                      <a:endParaRPr lang="pt-BR" sz="800" b="0" i="0" u="none" strike="noStrike" dirty="0">
+                        <a:solidFill>
+                          <a:srgbClr val="000000"/>
+                        </a:solidFill>
+                        <a:effectLst/>
+                        <a:latin typeface="Calibri"/>
+                      </a:endParaRPr>
+                    </a:p>
+                  </a:txBody>
+                  <a:tcPr marL="7058" marR="7058" marT="7058" marB="0" anchor="ctr"/>
                 </a:tc>
               </a:tr>
               <a:tr h="130704">
@@ -30357,12 +30354,12 @@
                     <a:p>
                       <a:pPr algn="ctr" fontAlgn="ctr"/>
                       <a:r>
-                        <a:rPr lang="pt-BR" sz="800" u="none" strike="noStrike">
+                        <a:rPr lang="pt-BR" sz="800" u="none" strike="noStrike" dirty="0">
                           <a:effectLst/>
                         </a:rPr>
                         <a:t>0.95</a:t>
                       </a:r>
-                      <a:endParaRPr lang="pt-BR" sz="800" b="0" i="0" u="none" strike="noStrike">
+                      <a:endParaRPr lang="pt-BR" sz="800" b="0" i="0" u="none" strike="noStrike" dirty="0">
                         <a:solidFill>
                           <a:srgbClr val="000000"/>
                         </a:solidFill>
@@ -30530,44 +30527,44 @@
                     <a:p>
                       <a:pPr algn="ctr" fontAlgn="ctr"/>
                       <a:r>
-                        <a:rPr lang="pt-BR" sz="800" u="none" strike="noStrike">
-                          <a:effectLst/>
-                        </a:rPr>
-                        <a:t>0.00</a:t>
-                      </a:r>
-                      <a:endParaRPr lang="pt-BR" sz="800" b="0" i="0" u="none" strike="noStrike">
-                        <a:solidFill>
-                          <a:srgbClr val="000000"/>
-                        </a:solidFill>
-                        <a:effectLst/>
-                        <a:latin typeface="Calibri"/>
-                      </a:endParaRPr>
-                    </a:p>
-                  </a:txBody>
-                  <a:tcPr marL="6535" marR="6535" marT="6535" marB="0" anchor="ctr"/>
-                </a:tc>
-                <a:tc>
-                  <a:txBody>
-                    <a:bodyPr/>
-                    <a:lstStyle/>
-                    <a:p>
-                      <a:pPr algn="ctr" fontAlgn="ctr"/>
-                      <a:r>
-                        <a:rPr lang="pt-BR" sz="800" u="none" strike="noStrike">
-                          <a:effectLst/>
-                        </a:rPr>
-                        <a:t>0.00</a:t>
-                      </a:r>
-                      <a:endParaRPr lang="pt-BR" sz="800" b="0" i="0" u="none" strike="noStrike">
-                        <a:solidFill>
-                          <a:srgbClr val="000000"/>
-                        </a:solidFill>
-                        <a:effectLst/>
-                        <a:latin typeface="Calibri"/>
-                      </a:endParaRPr>
-                    </a:p>
-                  </a:txBody>
-                  <a:tcPr marL="6535" marR="6535" marT="6535" marB="0" anchor="ctr"/>
+                        <a:rPr lang="pt-BR" sz="800" u="none" strike="noStrike" dirty="0">
+                          <a:effectLst/>
+                        </a:rPr>
+                        <a:t>-</a:t>
+                      </a:r>
+                      <a:endParaRPr lang="pt-BR" sz="800" b="0" i="0" u="none" strike="noStrike" dirty="0">
+                        <a:solidFill>
+                          <a:srgbClr val="000000"/>
+                        </a:solidFill>
+                        <a:effectLst/>
+                        <a:latin typeface="Calibri"/>
+                      </a:endParaRPr>
+                    </a:p>
+                  </a:txBody>
+                  <a:tcPr marL="7058" marR="7058" marT="7058" marB="0" anchor="ctr"/>
+                </a:tc>
+                <a:tc>
+                  <a:txBody>
+                    <a:bodyPr/>
+                    <a:lstStyle/>
+                    <a:p>
+                      <a:pPr algn="ctr" fontAlgn="ctr"/>
+                      <a:r>
+                        <a:rPr lang="pt-BR" sz="800" u="none" strike="noStrike" dirty="0">
+                          <a:effectLst/>
+                        </a:rPr>
+                        <a:t>-</a:t>
+                      </a:r>
+                      <a:endParaRPr lang="pt-BR" sz="800" b="0" i="0" u="none" strike="noStrike" dirty="0">
+                        <a:solidFill>
+                          <a:srgbClr val="000000"/>
+                        </a:solidFill>
+                        <a:effectLst/>
+                        <a:latin typeface="Calibri"/>
+                      </a:endParaRPr>
+                    </a:p>
+                  </a:txBody>
+                  <a:tcPr marL="7058" marR="7058" marT="7058" marB="0" anchor="ctr"/>
                 </a:tc>
               </a:tr>
               <a:tr h="130704">
@@ -30716,12 +30713,12 @@
                     <a:p>
                       <a:pPr algn="ctr" fontAlgn="ctr"/>
                       <a:r>
-                        <a:rPr lang="pt-BR" sz="800" u="none" strike="noStrike">
+                        <a:rPr lang="pt-BR" sz="800" u="none" strike="noStrike" dirty="0">
                           <a:effectLst/>
                         </a:rPr>
                         <a:t>0.51</a:t>
                       </a:r>
-                      <a:endParaRPr lang="pt-BR" sz="800" b="0" i="0" u="none" strike="noStrike">
+                      <a:endParaRPr lang="pt-BR" sz="800" b="0" i="0" u="none" strike="noStrike" dirty="0">
                         <a:solidFill>
                           <a:srgbClr val="000000"/>
                         </a:solidFill>
@@ -30889,33 +30886,10 @@
                     <a:p>
                       <a:pPr algn="ctr" fontAlgn="ctr"/>
                       <a:r>
-                        <a:rPr lang="pt-BR" sz="800" u="none" strike="noStrike">
-                          <a:effectLst/>
-                        </a:rPr>
-                        <a:t>0.00</a:t>
-                      </a:r>
-                      <a:endParaRPr lang="pt-BR" sz="800" b="0" i="0" u="none" strike="noStrike">
-                        <a:solidFill>
-                          <a:srgbClr val="000000"/>
-                        </a:solidFill>
-                        <a:effectLst/>
-                        <a:latin typeface="Calibri"/>
-                      </a:endParaRPr>
-                    </a:p>
-                  </a:txBody>
-                  <a:tcPr marL="6535" marR="6535" marT="6535" marB="0" anchor="ctr"/>
-                </a:tc>
-                <a:tc>
-                  <a:txBody>
-                    <a:bodyPr/>
-                    <a:lstStyle/>
-                    <a:p>
-                      <a:pPr algn="ctr" fontAlgn="ctr"/>
-                      <a:r>
                         <a:rPr lang="pt-BR" sz="800" u="none" strike="noStrike" dirty="0">
                           <a:effectLst/>
                         </a:rPr>
-                        <a:t>0.00</a:t>
+                        <a:t>-</a:t>
                       </a:r>
                       <a:endParaRPr lang="pt-BR" sz="800" b="0" i="0" u="none" strike="noStrike" dirty="0">
                         <a:solidFill>
@@ -30926,7 +30900,30 @@
                       </a:endParaRPr>
                     </a:p>
                   </a:txBody>
-                  <a:tcPr marL="6535" marR="6535" marT="6535" marB="0" anchor="ctr"/>
+                  <a:tcPr marL="7058" marR="7058" marT="7058" marB="0" anchor="ctr"/>
+                </a:tc>
+                <a:tc>
+                  <a:txBody>
+                    <a:bodyPr/>
+                    <a:lstStyle/>
+                    <a:p>
+                      <a:pPr algn="ctr" fontAlgn="ctr"/>
+                      <a:r>
+                        <a:rPr lang="pt-BR" sz="800" u="none" strike="noStrike" dirty="0">
+                          <a:effectLst/>
+                        </a:rPr>
+                        <a:t>-</a:t>
+                      </a:r>
+                      <a:endParaRPr lang="pt-BR" sz="800" b="0" i="0" u="none" strike="noStrike" dirty="0">
+                        <a:solidFill>
+                          <a:srgbClr val="000000"/>
+                        </a:solidFill>
+                        <a:effectLst/>
+                        <a:latin typeface="Calibri"/>
+                      </a:endParaRPr>
+                    </a:p>
+                  </a:txBody>
+                  <a:tcPr marL="7058" marR="7058" marT="7058" marB="0" anchor="ctr"/>
                 </a:tc>
               </a:tr>
             </a:tbl>
